--- a/Figure-4-7/Figure47/Figure47_normal.pptx
+++ b/Figure-4-7/Figure47/Figure47_normal.pptx
@@ -529,6 +529,180 @@
             <a:r>
               <a:rPr/>
               <a:t>Subtitle:</a:t>
+            </a:r>
+            <a:r>
+              <a:rPr/>
+              <a:t> </a:t>
+            </a:r>
+            <a:r>
+              <a:rPr/>
+              <a:t>Value</a:t>
+            </a:r>
+            <a:r>
+              <a:rPr/>
+              <a:t> </a:t>
+            </a:r>
+            <a:r>
+              <a:rPr/>
+              <a:t>of</a:t>
+            </a:r>
+            <a:r>
+              <a:rPr/>
+              <a:t> </a:t>
+            </a:r>
+            <a:r>
+              <a:rPr/>
+              <a:t>pre-tax</a:t>
+            </a:r>
+            <a:r>
+              <a:rPr/>
+              <a:t> </a:t>
+            </a:r>
+            <a:r>
+              <a:rPr/>
+              <a:t>voluntary</a:t>
+            </a:r>
+            <a:r>
+              <a:rPr/>
+              <a:t> </a:t>
+            </a:r>
+            <a:r>
+              <a:rPr/>
+              <a:t>contributions</a:t>
+            </a:r>
+            <a:r>
+              <a:rPr/>
+              <a:t> </a:t>
+            </a:r>
+            <a:r>
+              <a:rPr/>
+              <a:t>to</a:t>
+            </a:r>
+            <a:r>
+              <a:rPr/>
+              <a:t> </a:t>
+            </a:r>
+            <a:r>
+              <a:rPr/>
+              <a:t>superannuation</a:t>
+            </a:r>
+            <a:r>
+              <a:rPr/>
+              <a:t> </a:t>
+            </a:r>
+            <a:r>
+              <a:rPr/>
+              <a:t>in</a:t>
+            </a:r>
+            <a:r>
+              <a:rPr/>
+              <a:t> </a:t>
+            </a:r>
+            <a:r>
+              <a:rPr/>
+              <a:t>excess</a:t>
+            </a:r>
+            <a:r>
+              <a:rPr/>
+              <a:t> </a:t>
+            </a:r>
+            <a:r>
+              <a:rPr/>
+              <a:t>of</a:t>
+            </a:r>
+            <a:r>
+              <a:rPr/>
+              <a:t> </a:t>
+            </a:r>
+            <a:r>
+              <a:rPr/>
+              <a:t>$11,000</a:t>
+            </a:r>
+            <a:r>
+              <a:rPr/>
+              <a:t> </a:t>
+            </a:r>
+            <a:r>
+              <a:rPr/>
+              <a:t>in</a:t>
+            </a:r>
+            <a:r>
+              <a:rPr/>
+              <a:t> </a:t>
+            </a:r>
+            <a:r>
+              <a:rPr/>
+              <a:t>a</a:t>
+            </a:r>
+            <a:r>
+              <a:rPr/>
+              <a:t> </a:t>
+            </a:r>
+            <a:r>
+              <a:rPr/>
+              <a:t>year,</a:t>
+            </a:r>
+            <a:r>
+              <a:rPr/>
+              <a:t> </a:t>
+            </a:r>
+            <a:r>
+              <a:rPr/>
+              <a:t>2020-21</a:t>
+            </a:r>
+          </a:p>
+          <a:p>
+            <a:pPr lvl="0" marL="0" indent="0">
+              <a:buNone/>
+            </a:pPr>
+          </a:p>
+          <a:p>
+            <a:pPr lvl="0" marL="0" indent="0">
+              <a:buNone/>
+            </a:pPr>
+            <a:r>
+              <a:rPr/>
+              <a:t>Source:</a:t>
+            </a:r>
+            <a:r>
+              <a:rPr/>
+              <a:t> </a:t>
+            </a:r>
+            <a:r>
+              <a:rPr/>
+              <a:t>ATO</a:t>
+            </a:r>
+            <a:r>
+              <a:rPr/>
+              <a:t> </a:t>
+            </a:r>
+            <a:r>
+              <a:rPr/>
+              <a:t>2017-18</a:t>
+            </a:r>
+            <a:r>
+              <a:rPr/>
+              <a:t> </a:t>
+            </a:r>
+            <a:r>
+              <a:rPr/>
+              <a:t>2%</a:t>
+            </a:r>
+            <a:r>
+              <a:rPr/>
+              <a:t> </a:t>
+            </a:r>
+            <a:r>
+              <a:rPr/>
+              <a:t>sample</a:t>
+            </a:r>
+            <a:r>
+              <a:rPr/>
+              <a:t> </a:t>
+            </a:r>
+            <a:r>
+              <a:rPr/>
+              <a:t>file</a:t>
             </a:r>
           </a:p>
           <a:p>
@@ -3390,7 +3564,7 @@
           <a:p>
             <a:r>
               <a:rPr/>
-              <a:t> </a:t>
+              <a:t/>
             </a:r>
           </a:p>
         </p:txBody>
@@ -3417,7 +3591,8 @@
           <a:p>
             <a:r>
               <a:rPr/>
-              <a:t> </a:t>
+              <a:t>Value of pre-tax voluntary contributions to superannuation in excess of
+$11,000 in a year, 2020-21</a:t>
             </a:r>
           </a:p>
         </p:txBody>
